--- a/QUANTUM HACKATHON.pptx
+++ b/QUANTUM HACKATHON.pptx
@@ -4,6 +4,9 @@
   <p:sldMasterIdLst>
     <p:sldMasterId id="2147483648" r:id="rId1"/>
   </p:sldMasterIdLst>
+  <p:notesMasterIdLst>
+    <p:notesMasterId r:id="rId7"/>
+  </p:notesMasterIdLst>
   <p:sldIdLst>
     <p:sldId id="260" r:id="rId2"/>
     <p:sldId id="256" r:id="rId3"/>
@@ -109,6 +112,439 @@
     </a:lvl9pPr>
   </p:defaultTextStyle>
 </p:presentation>
+</file>
+
+<file path=ppt/notesMasters/notesMaster1.xml><?xml version="1.0" encoding="utf-8"?>
+<p:notesMaster xmlns:a="http://schemas.openxmlformats.org/drawingml/2006/main" xmlns:r="http://schemas.openxmlformats.org/officeDocument/2006/relationships" xmlns:p="http://schemas.openxmlformats.org/presentationml/2006/main">
+  <p:cSld>
+    <p:bg>
+      <p:bgRef idx="1001">
+        <a:schemeClr val="bg1"/>
+      </p:bgRef>
+    </p:bg>
+    <p:spTree>
+      <p:nvGrpSpPr>
+        <p:cNvPr id="1" name=""/>
+        <p:cNvGrpSpPr/>
+        <p:nvPr/>
+      </p:nvGrpSpPr>
+      <p:grpSpPr>
+        <a:xfrm>
+          <a:off x="0" y="0"/>
+          <a:ext cx="0" cy="0"/>
+          <a:chOff x="0" y="0"/>
+          <a:chExt cx="0" cy="0"/>
+        </a:xfrm>
+      </p:grpSpPr>
+      <p:sp>
+        <p:nvSpPr>
+          <p:cNvPr id="2" name="Header Placeholder 1"/>
+          <p:cNvSpPr>
+            <a:spLocks noGrp="1"/>
+          </p:cNvSpPr>
+          <p:nvPr>
+            <p:ph type="hdr" sz="quarter"/>
+          </p:nvPr>
+        </p:nvSpPr>
+        <p:spPr>
+          <a:xfrm>
+            <a:off x="0" y="0"/>
+            <a:ext cx="2971800" cy="458788"/>
+          </a:xfrm>
+          <a:prstGeom prst="rect">
+            <a:avLst/>
+          </a:prstGeom>
+        </p:spPr>
+        <p:txBody>
+          <a:bodyPr vert="horz" lIns="91440" tIns="45720" rIns="91440" bIns="45720" rtlCol="0"/>
+          <a:lstStyle>
+            <a:lvl1pPr algn="l">
+              <a:defRPr sz="1200"/>
+            </a:lvl1pPr>
+          </a:lstStyle>
+          <a:p>
+            <a:endParaRPr lang="en-US"/>
+          </a:p>
+        </p:txBody>
+      </p:sp>
+      <p:sp>
+        <p:nvSpPr>
+          <p:cNvPr id="3" name="Date Placeholder 2"/>
+          <p:cNvSpPr>
+            <a:spLocks noGrp="1"/>
+          </p:cNvSpPr>
+          <p:nvPr>
+            <p:ph type="dt" idx="1"/>
+          </p:nvPr>
+        </p:nvSpPr>
+        <p:spPr>
+          <a:xfrm>
+            <a:off x="3884613" y="0"/>
+            <a:ext cx="2971800" cy="458788"/>
+          </a:xfrm>
+          <a:prstGeom prst="rect">
+            <a:avLst/>
+          </a:prstGeom>
+        </p:spPr>
+        <p:txBody>
+          <a:bodyPr vert="horz" lIns="91440" tIns="45720" rIns="91440" bIns="45720" rtlCol="0"/>
+          <a:lstStyle>
+            <a:lvl1pPr algn="r">
+              <a:defRPr sz="1200"/>
+            </a:lvl1pPr>
+          </a:lstStyle>
+          <a:p>
+            <a:fld id="{546799DA-BBD8-440D-83CF-C8F90959350C}" type="datetimeFigureOut">
+              <a:rPr lang="en-US" smtClean="0"/>
+              <a:t>5/5/2024</a:t>
+            </a:fld>
+            <a:endParaRPr lang="en-US"/>
+          </a:p>
+        </p:txBody>
+      </p:sp>
+      <p:sp>
+        <p:nvSpPr>
+          <p:cNvPr id="4" name="Slide Image Placeholder 3"/>
+          <p:cNvSpPr>
+            <a:spLocks noGrp="1" noRot="1" noChangeAspect="1"/>
+          </p:cNvSpPr>
+          <p:nvPr>
+            <p:ph type="sldImg" idx="2"/>
+          </p:nvPr>
+        </p:nvSpPr>
+        <p:spPr>
+          <a:xfrm>
+            <a:off x="685800" y="1143000"/>
+            <a:ext cx="5486400" cy="3086100"/>
+          </a:xfrm>
+          <a:prstGeom prst="rect">
+            <a:avLst/>
+          </a:prstGeom>
+          <a:noFill/>
+          <a:ln w="12700">
+            <a:solidFill>
+              <a:prstClr val="black"/>
+            </a:solidFill>
+          </a:ln>
+        </p:spPr>
+        <p:txBody>
+          <a:bodyPr vert="horz" lIns="91440" tIns="45720" rIns="91440" bIns="45720" rtlCol="0" anchor="ctr"/>
+          <a:lstStyle/>
+          <a:p>
+            <a:endParaRPr lang="en-US"/>
+          </a:p>
+        </p:txBody>
+      </p:sp>
+      <p:sp>
+        <p:nvSpPr>
+          <p:cNvPr id="5" name="Notes Placeholder 4"/>
+          <p:cNvSpPr>
+            <a:spLocks noGrp="1"/>
+          </p:cNvSpPr>
+          <p:nvPr>
+            <p:ph type="body" sz="quarter" idx="3"/>
+          </p:nvPr>
+        </p:nvSpPr>
+        <p:spPr>
+          <a:xfrm>
+            <a:off x="685800" y="4400550"/>
+            <a:ext cx="5486400" cy="3600450"/>
+          </a:xfrm>
+          <a:prstGeom prst="rect">
+            <a:avLst/>
+          </a:prstGeom>
+        </p:spPr>
+        <p:txBody>
+          <a:bodyPr vert="horz" lIns="91440" tIns="45720" rIns="91440" bIns="45720" rtlCol="0"/>
+          <a:lstStyle/>
+          <a:p>
+            <a:pPr lvl="0"/>
+            <a:r>
+              <a:rPr lang="en-US"/>
+              <a:t>Click to edit Master text styles</a:t>
+            </a:r>
+          </a:p>
+          <a:p>
+            <a:pPr lvl="1"/>
+            <a:r>
+              <a:rPr lang="en-US"/>
+              <a:t>Second level</a:t>
+            </a:r>
+          </a:p>
+          <a:p>
+            <a:pPr lvl="2"/>
+            <a:r>
+              <a:rPr lang="en-US"/>
+              <a:t>Third level</a:t>
+            </a:r>
+          </a:p>
+          <a:p>
+            <a:pPr lvl="3"/>
+            <a:r>
+              <a:rPr lang="en-US"/>
+              <a:t>Fourth level</a:t>
+            </a:r>
+          </a:p>
+          <a:p>
+            <a:pPr lvl="4"/>
+            <a:r>
+              <a:rPr lang="en-US"/>
+              <a:t>Fifth level</a:t>
+            </a:r>
+          </a:p>
+        </p:txBody>
+      </p:sp>
+      <p:sp>
+        <p:nvSpPr>
+          <p:cNvPr id="6" name="Footer Placeholder 5"/>
+          <p:cNvSpPr>
+            <a:spLocks noGrp="1"/>
+          </p:cNvSpPr>
+          <p:nvPr>
+            <p:ph type="ftr" sz="quarter" idx="4"/>
+          </p:nvPr>
+        </p:nvSpPr>
+        <p:spPr>
+          <a:xfrm>
+            <a:off x="0" y="8685213"/>
+            <a:ext cx="2971800" cy="458787"/>
+          </a:xfrm>
+          <a:prstGeom prst="rect">
+            <a:avLst/>
+          </a:prstGeom>
+        </p:spPr>
+        <p:txBody>
+          <a:bodyPr vert="horz" lIns="91440" tIns="45720" rIns="91440" bIns="45720" rtlCol="0" anchor="b"/>
+          <a:lstStyle>
+            <a:lvl1pPr algn="l">
+              <a:defRPr sz="1200"/>
+            </a:lvl1pPr>
+          </a:lstStyle>
+          <a:p>
+            <a:endParaRPr lang="en-US"/>
+          </a:p>
+        </p:txBody>
+      </p:sp>
+      <p:sp>
+        <p:nvSpPr>
+          <p:cNvPr id="7" name="Slide Number Placeholder 6"/>
+          <p:cNvSpPr>
+            <a:spLocks noGrp="1"/>
+          </p:cNvSpPr>
+          <p:nvPr>
+            <p:ph type="sldNum" sz="quarter" idx="5"/>
+          </p:nvPr>
+        </p:nvSpPr>
+        <p:spPr>
+          <a:xfrm>
+            <a:off x="3884613" y="8685213"/>
+            <a:ext cx="2971800" cy="458787"/>
+          </a:xfrm>
+          <a:prstGeom prst="rect">
+            <a:avLst/>
+          </a:prstGeom>
+        </p:spPr>
+        <p:txBody>
+          <a:bodyPr vert="horz" lIns="91440" tIns="45720" rIns="91440" bIns="45720" rtlCol="0" anchor="b"/>
+          <a:lstStyle>
+            <a:lvl1pPr algn="r">
+              <a:defRPr sz="1200"/>
+            </a:lvl1pPr>
+          </a:lstStyle>
+          <a:p>
+            <a:fld id="{27C04DED-4A0A-4815-8D99-E63D76F2E047}" type="slidenum">
+              <a:rPr lang="en-US" smtClean="0"/>
+              <a:t>‹#›</a:t>
+            </a:fld>
+            <a:endParaRPr lang="en-US"/>
+          </a:p>
+        </p:txBody>
+      </p:sp>
+    </p:spTree>
+    <p:extLst>
+      <p:ext uri="{BB962C8B-B14F-4D97-AF65-F5344CB8AC3E}">
+        <p14:creationId xmlns:p14="http://schemas.microsoft.com/office/powerpoint/2010/main" val="2041982973"/>
+      </p:ext>
+    </p:extLst>
+  </p:cSld>
+  <p:clrMap bg1="lt1" tx1="dk1" bg2="lt2" tx2="dk2" accent1="accent1" accent2="accent2" accent3="accent3" accent4="accent4" accent5="accent5" accent6="accent6" hlink="hlink" folHlink="folHlink"/>
+  <p:notesStyle>
+    <a:lvl1pPr marL="0" algn="l" defTabSz="914400" rtl="0" eaLnBrk="1" latinLnBrk="0" hangingPunct="1">
+      <a:defRPr sz="1200" kern="1200">
+        <a:solidFill>
+          <a:schemeClr val="tx1"/>
+        </a:solidFill>
+        <a:latin typeface="+mn-lt"/>
+        <a:ea typeface="+mn-ea"/>
+        <a:cs typeface="+mn-cs"/>
+      </a:defRPr>
+    </a:lvl1pPr>
+    <a:lvl2pPr marL="457200" algn="l" defTabSz="914400" rtl="0" eaLnBrk="1" latinLnBrk="0" hangingPunct="1">
+      <a:defRPr sz="1200" kern="1200">
+        <a:solidFill>
+          <a:schemeClr val="tx1"/>
+        </a:solidFill>
+        <a:latin typeface="+mn-lt"/>
+        <a:ea typeface="+mn-ea"/>
+        <a:cs typeface="+mn-cs"/>
+      </a:defRPr>
+    </a:lvl2pPr>
+    <a:lvl3pPr marL="914400" algn="l" defTabSz="914400" rtl="0" eaLnBrk="1" latinLnBrk="0" hangingPunct="1">
+      <a:defRPr sz="1200" kern="1200">
+        <a:solidFill>
+          <a:schemeClr val="tx1"/>
+        </a:solidFill>
+        <a:latin typeface="+mn-lt"/>
+        <a:ea typeface="+mn-ea"/>
+        <a:cs typeface="+mn-cs"/>
+      </a:defRPr>
+    </a:lvl3pPr>
+    <a:lvl4pPr marL="1371600" algn="l" defTabSz="914400" rtl="0" eaLnBrk="1" latinLnBrk="0" hangingPunct="1">
+      <a:defRPr sz="1200" kern="1200">
+        <a:solidFill>
+          <a:schemeClr val="tx1"/>
+        </a:solidFill>
+        <a:latin typeface="+mn-lt"/>
+        <a:ea typeface="+mn-ea"/>
+        <a:cs typeface="+mn-cs"/>
+      </a:defRPr>
+    </a:lvl4pPr>
+    <a:lvl5pPr marL="1828800" algn="l" defTabSz="914400" rtl="0" eaLnBrk="1" latinLnBrk="0" hangingPunct="1">
+      <a:defRPr sz="1200" kern="1200">
+        <a:solidFill>
+          <a:schemeClr val="tx1"/>
+        </a:solidFill>
+        <a:latin typeface="+mn-lt"/>
+        <a:ea typeface="+mn-ea"/>
+        <a:cs typeface="+mn-cs"/>
+      </a:defRPr>
+    </a:lvl5pPr>
+    <a:lvl6pPr marL="2286000" algn="l" defTabSz="914400" rtl="0" eaLnBrk="1" latinLnBrk="0" hangingPunct="1">
+      <a:defRPr sz="1200" kern="1200">
+        <a:solidFill>
+          <a:schemeClr val="tx1"/>
+        </a:solidFill>
+        <a:latin typeface="+mn-lt"/>
+        <a:ea typeface="+mn-ea"/>
+        <a:cs typeface="+mn-cs"/>
+      </a:defRPr>
+    </a:lvl6pPr>
+    <a:lvl7pPr marL="2743200" algn="l" defTabSz="914400" rtl="0" eaLnBrk="1" latinLnBrk="0" hangingPunct="1">
+      <a:defRPr sz="1200" kern="1200">
+        <a:solidFill>
+          <a:schemeClr val="tx1"/>
+        </a:solidFill>
+        <a:latin typeface="+mn-lt"/>
+        <a:ea typeface="+mn-ea"/>
+        <a:cs typeface="+mn-cs"/>
+      </a:defRPr>
+    </a:lvl7pPr>
+    <a:lvl8pPr marL="3200400" algn="l" defTabSz="914400" rtl="0" eaLnBrk="1" latinLnBrk="0" hangingPunct="1">
+      <a:defRPr sz="1200" kern="1200">
+        <a:solidFill>
+          <a:schemeClr val="tx1"/>
+        </a:solidFill>
+        <a:latin typeface="+mn-lt"/>
+        <a:ea typeface="+mn-ea"/>
+        <a:cs typeface="+mn-cs"/>
+      </a:defRPr>
+    </a:lvl8pPr>
+    <a:lvl9pPr marL="3657600" algn="l" defTabSz="914400" rtl="0" eaLnBrk="1" latinLnBrk="0" hangingPunct="1">
+      <a:defRPr sz="1200" kern="1200">
+        <a:solidFill>
+          <a:schemeClr val="tx1"/>
+        </a:solidFill>
+        <a:latin typeface="+mn-lt"/>
+        <a:ea typeface="+mn-ea"/>
+        <a:cs typeface="+mn-cs"/>
+      </a:defRPr>
+    </a:lvl9pPr>
+  </p:notesStyle>
+</p:notesMaster>
+</file>
+
+<file path=ppt/notesSlides/notesSlide1.xml><?xml version="1.0" encoding="utf-8"?>
+<p:notes xmlns:a="http://schemas.openxmlformats.org/drawingml/2006/main" xmlns:r="http://schemas.openxmlformats.org/officeDocument/2006/relationships" xmlns:p="http://schemas.openxmlformats.org/presentationml/2006/main">
+  <p:cSld>
+    <p:spTree>
+      <p:nvGrpSpPr>
+        <p:cNvPr id="1" name=""/>
+        <p:cNvGrpSpPr/>
+        <p:nvPr/>
+      </p:nvGrpSpPr>
+      <p:grpSpPr>
+        <a:xfrm>
+          <a:off x="0" y="0"/>
+          <a:ext cx="0" cy="0"/>
+          <a:chOff x="0" y="0"/>
+          <a:chExt cx="0" cy="0"/>
+        </a:xfrm>
+      </p:grpSpPr>
+      <p:sp>
+        <p:nvSpPr>
+          <p:cNvPr id="2" name="Slide Image Placeholder 1"/>
+          <p:cNvSpPr>
+            <a:spLocks noGrp="1" noRot="1" noChangeAspect="1"/>
+          </p:cNvSpPr>
+          <p:nvPr>
+            <p:ph type="sldImg"/>
+          </p:nvPr>
+        </p:nvSpPr>
+        <p:spPr/>
+      </p:sp>
+      <p:sp>
+        <p:nvSpPr>
+          <p:cNvPr id="3" name="Notes Placeholder 2"/>
+          <p:cNvSpPr>
+            <a:spLocks noGrp="1"/>
+          </p:cNvSpPr>
+          <p:nvPr>
+            <p:ph type="body" idx="1"/>
+          </p:nvPr>
+        </p:nvSpPr>
+        <p:spPr/>
+        <p:txBody>
+          <a:bodyPr/>
+          <a:lstStyle/>
+          <a:p>
+            <a:endParaRPr lang="en-US" dirty="0"/>
+          </a:p>
+        </p:txBody>
+      </p:sp>
+      <p:sp>
+        <p:nvSpPr>
+          <p:cNvPr id="4" name="Slide Number Placeholder 3"/>
+          <p:cNvSpPr>
+            <a:spLocks noGrp="1"/>
+          </p:cNvSpPr>
+          <p:nvPr>
+            <p:ph type="sldNum" sz="quarter" idx="5"/>
+          </p:nvPr>
+        </p:nvSpPr>
+        <p:spPr/>
+        <p:txBody>
+          <a:bodyPr/>
+          <a:lstStyle/>
+          <a:p>
+            <a:fld id="{27C04DED-4A0A-4815-8D99-E63D76F2E047}" type="slidenum">
+              <a:rPr lang="en-US" smtClean="0"/>
+              <a:t>5</a:t>
+            </a:fld>
+            <a:endParaRPr lang="en-US"/>
+          </a:p>
+        </p:txBody>
+      </p:sp>
+    </p:spTree>
+    <p:extLst>
+      <p:ext uri="{BB962C8B-B14F-4D97-AF65-F5344CB8AC3E}">
+        <p14:creationId xmlns:p14="http://schemas.microsoft.com/office/powerpoint/2010/main" val="4254967967"/>
+      </p:ext>
+    </p:extLst>
+  </p:cSld>
+  <p:clrMapOvr>
+    <a:masterClrMapping/>
+  </p:clrMapOvr>
+</p:notes>
 </file>
 
 <file path=ppt/slideLayouts/slideLayout1.xml><?xml version="1.0" encoding="utf-8"?>
@@ -5689,7 +6125,7 @@
           <p:nvPr/>
         </p:nvPicPr>
         <p:blipFill>
-          <a:blip r:embed="rId2">
+          <a:blip r:embed="rId3">
             <a:extLst>
               <a:ext uri="{28A0092B-C50C-407E-A947-70E740481C1C}">
                 <a14:useLocalDpi xmlns:a14="http://schemas.microsoft.com/office/drawing/2010/main" val="0"/>
@@ -5826,7 +6262,7 @@
           <p:nvPr/>
         </p:nvPicPr>
         <p:blipFill>
-          <a:blip r:embed="rId3"/>
+          <a:blip r:embed="rId4"/>
           <a:stretch>
             <a:fillRect/>
           </a:stretch>
@@ -5952,7 +6388,7 @@
           <p:nvPr/>
         </p:nvPicPr>
         <p:blipFill>
-          <a:blip r:embed="rId4"/>
+          <a:blip r:embed="rId5"/>
           <a:stretch>
             <a:fillRect/>
           </a:stretch>
@@ -6134,7 +6570,7 @@
           <p:nvPr/>
         </p:nvPicPr>
         <p:blipFill>
-          <a:blip r:embed="rId5">
+          <a:blip r:embed="rId6">
             <a:extLst>
               <a:ext uri="{28A0092B-C50C-407E-A947-70E740481C1C}">
                 <a14:useLocalDpi xmlns:a14="http://schemas.microsoft.com/office/drawing/2010/main" val="0"/>
@@ -6148,8 +6584,8 @@
         </p:blipFill>
         <p:spPr bwMode="auto">
           <a:xfrm>
-            <a:off x="5204784" y="3048123"/>
-            <a:ext cx="4377151" cy="3304869"/>
+            <a:off x="6377227" y="3277053"/>
+            <a:ext cx="3754220" cy="2834539"/>
           </a:xfrm>
           <a:prstGeom prst="rect">
             <a:avLst/>
@@ -6168,10 +6604,10 @@
       </p:pic>
       <p:sp>
         <p:nvSpPr>
-          <p:cNvPr id="24" name="TextBox 23">
-            <a:extLst>
-              <a:ext uri="{FF2B5EF4-FFF2-40B4-BE49-F238E27FC236}">
-                <a16:creationId xmlns:a16="http://schemas.microsoft.com/office/drawing/2014/main" id="{69155FE7-E219-04AB-4152-A21E3BAD110A}"/>
+          <p:cNvPr id="25" name="TextBox 24">
+            <a:extLst>
+              <a:ext uri="{FF2B5EF4-FFF2-40B4-BE49-F238E27FC236}">
+                <a16:creationId xmlns:a16="http://schemas.microsoft.com/office/drawing/2014/main" id="{FDA52EBD-8286-F621-5EE2-2C3830290CC6}"/>
               </a:ext>
             </a:extLst>
           </p:cNvPr>
@@ -6180,8 +6616,8 @@
         </p:nvSpPr>
         <p:spPr>
           <a:xfrm>
-            <a:off x="699797" y="3353477"/>
-            <a:ext cx="2365310" cy="369332"/>
+            <a:off x="4844920" y="4509657"/>
+            <a:ext cx="288862" cy="369332"/>
           </a:xfrm>
           <a:prstGeom prst="rect">
             <a:avLst/>
@@ -6189,24 +6625,24 @@
           <a:noFill/>
         </p:spPr>
         <p:txBody>
-          <a:bodyPr wrap="square" rtlCol="0">
+          <a:bodyPr wrap="none" rtlCol="0">
             <a:spAutoFit/>
           </a:bodyPr>
           <a:lstStyle/>
           <a:p>
             <a:r>
               <a:rPr lang="en-US" dirty="0"/>
-              <a:t>Results:</a:t>
-            </a:r>
-          </a:p>
-        </p:txBody>
-      </p:sp>
-      <p:sp>
-        <p:nvSpPr>
-          <p:cNvPr id="25" name="TextBox 24">
-            <a:extLst>
-              <a:ext uri="{FF2B5EF4-FFF2-40B4-BE49-F238E27FC236}">
-                <a16:creationId xmlns:a16="http://schemas.microsoft.com/office/drawing/2014/main" id="{FDA52EBD-8286-F621-5EE2-2C3830290CC6}"/>
+              <a:t>y</a:t>
+            </a:r>
+          </a:p>
+        </p:txBody>
+      </p:sp>
+      <p:sp>
+        <p:nvSpPr>
+          <p:cNvPr id="26" name="TextBox 25">
+            <a:extLst>
+              <a:ext uri="{FF2B5EF4-FFF2-40B4-BE49-F238E27FC236}">
+                <a16:creationId xmlns:a16="http://schemas.microsoft.com/office/drawing/2014/main" id="{68401ACE-1692-E9D2-BA97-B7D7CC63F559}"/>
               </a:ext>
             </a:extLst>
           </p:cNvPr>
@@ -6215,8 +6651,8 @@
         </p:nvSpPr>
         <p:spPr>
           <a:xfrm>
-            <a:off x="4844920" y="4509657"/>
-            <a:ext cx="288862" cy="369332"/>
+            <a:off x="8254337" y="5963101"/>
+            <a:ext cx="250492" cy="369332"/>
           </a:xfrm>
           <a:prstGeom prst="rect">
             <a:avLst/>
@@ -6224,24 +6660,54 @@
           <a:noFill/>
         </p:spPr>
         <p:txBody>
-          <a:bodyPr wrap="none" rtlCol="0">
+          <a:bodyPr wrap="square" rtlCol="0">
             <a:spAutoFit/>
           </a:bodyPr>
           <a:lstStyle/>
           <a:p>
             <a:r>
               <a:rPr lang="en-US" dirty="0"/>
-              <a:t>y</a:t>
-            </a:r>
-          </a:p>
-        </p:txBody>
-      </p:sp>
-      <p:sp>
-        <p:nvSpPr>
-          <p:cNvPr id="26" name="TextBox 25">
-            <a:extLst>
-              <a:ext uri="{FF2B5EF4-FFF2-40B4-BE49-F238E27FC236}">
-                <a16:creationId xmlns:a16="http://schemas.microsoft.com/office/drawing/2014/main" id="{68401ACE-1692-E9D2-BA97-B7D7CC63F559}"/>
+              <a:t>x</a:t>
+            </a:r>
+          </a:p>
+        </p:txBody>
+      </p:sp>
+      <p:pic>
+        <p:nvPicPr>
+          <p:cNvPr id="30" name="Picture 29">
+            <a:extLst>
+              <a:ext uri="{FF2B5EF4-FFF2-40B4-BE49-F238E27FC236}">
+                <a16:creationId xmlns:a16="http://schemas.microsoft.com/office/drawing/2014/main" id="{5D04C5C9-45D5-46B7-170A-30352019CCA0}"/>
+              </a:ext>
+            </a:extLst>
+          </p:cNvPr>
+          <p:cNvPicPr>
+            <a:picLocks noChangeAspect="1"/>
+          </p:cNvPicPr>
+          <p:nvPr/>
+        </p:nvPicPr>
+        <p:blipFill>
+          <a:blip r:embed="rId7"/>
+          <a:stretch>
+            <a:fillRect/>
+          </a:stretch>
+        </p:blipFill>
+        <p:spPr>
+          <a:xfrm>
+            <a:off x="301692" y="3658682"/>
+            <a:ext cx="5660551" cy="1961949"/>
+          </a:xfrm>
+          <a:prstGeom prst="rect">
+            <a:avLst/>
+          </a:prstGeom>
+        </p:spPr>
+      </p:pic>
+      <p:sp>
+        <p:nvSpPr>
+          <p:cNvPr id="31" name="TextBox 30">
+            <a:extLst>
+              <a:ext uri="{FF2B5EF4-FFF2-40B4-BE49-F238E27FC236}">
+                <a16:creationId xmlns:a16="http://schemas.microsoft.com/office/drawing/2014/main" id="{20CCC352-8236-6357-5D76-18FCA11F9EB8}"/>
               </a:ext>
             </a:extLst>
           </p:cNvPr>
@@ -6250,8 +6716,8 @@
         </p:nvSpPr>
         <p:spPr>
           <a:xfrm>
-            <a:off x="7337728" y="6206066"/>
-            <a:ext cx="250492" cy="369332"/>
+            <a:off x="6207267" y="4454991"/>
+            <a:ext cx="288862" cy="369332"/>
           </a:xfrm>
           <a:prstGeom prst="rect">
             <a:avLst/>
@@ -6259,342 +6725,18 @@
           <a:noFill/>
         </p:spPr>
         <p:txBody>
-          <a:bodyPr wrap="square" rtlCol="0">
+          <a:bodyPr wrap="none" rtlCol="0">
             <a:spAutoFit/>
           </a:bodyPr>
           <a:lstStyle/>
           <a:p>
             <a:r>
               <a:rPr lang="en-US" dirty="0"/>
-              <a:t>x</a:t>
-            </a:r>
-          </a:p>
-        </p:txBody>
-      </p:sp>
-      <mc:AlternateContent xmlns:mc="http://schemas.openxmlformats.org/markup-compatibility/2006">
-        <mc:Choice xmlns:a14="http://schemas.microsoft.com/office/drawing/2010/main" Requires="a14">
-          <p:sp>
-            <p:nvSpPr>
-              <p:cNvPr id="28" name="TextBox 27">
-                <a:extLst>
-                  <a:ext uri="{FF2B5EF4-FFF2-40B4-BE49-F238E27FC236}">
-                    <a16:creationId xmlns:a16="http://schemas.microsoft.com/office/drawing/2014/main" id="{F5FDBE3A-D40E-D007-92C1-D00A6E5FD971}"/>
-                  </a:ext>
-                </a:extLst>
-              </p:cNvPr>
-              <p:cNvSpPr txBox="1"/>
-              <p:nvPr/>
-            </p:nvSpPr>
-            <p:spPr>
-              <a:xfrm>
-                <a:off x="0" y="4262377"/>
-                <a:ext cx="5064273" cy="863891"/>
-              </a:xfrm>
-              <a:prstGeom prst="rect">
-                <a:avLst/>
-              </a:prstGeom>
-              <a:noFill/>
-            </p:spPr>
-            <p:txBody>
-              <a:bodyPr wrap="square">
-                <a:spAutoFit/>
-              </a:bodyPr>
-              <a:lstStyle/>
-              <a:p>
-                <a:pPr algn="ctr">
-                  <a:lnSpc>
-                    <a:spcPct val="150000"/>
-                  </a:lnSpc>
-                </a:pPr>
-                <a14:m>
-                  <m:oMathPara xmlns:m="http://schemas.openxmlformats.org/officeDocument/2006/math">
-                    <m:oMathParaPr>
-                      <m:jc m:val="centerGroup"/>
-                    </m:oMathParaPr>
-                    <m:oMath xmlns:m="http://schemas.openxmlformats.org/officeDocument/2006/math">
-                      <m:sSub>
-                        <m:sSubPr>
-                          <m:ctrlPr>
-                            <a:rPr lang="en-US" sz="1600" b="0" dirty="0" smtClean="0">
-                              <a:ln w="0"/>
-                              <a:solidFill>
-                                <a:schemeClr val="tx1"/>
-                              </a:solidFill>
-                              <a:effectLst/>
-                              <a:latin typeface="Cambria Math" panose="02040503050406030204" pitchFamily="18" charset="0"/>
-                            </a:rPr>
-                          </m:ctrlPr>
-                        </m:sSubPr>
-                        <m:e>
-                          <m:r>
-                            <m:rPr>
-                              <m:sty m:val="p"/>
-                            </m:rPr>
-                            <a:rPr lang="en-US" sz="1600" b="0" i="0" dirty="0" smtClean="0">
-                              <a:ln w="0"/>
-                              <a:solidFill>
-                                <a:schemeClr val="tx1"/>
-                              </a:solidFill>
-                              <a:effectLst/>
-                              <a:latin typeface="Cambria Math" panose="02040503050406030204" pitchFamily="18" charset="0"/>
-                            </a:rPr>
-                            <m:t>n</m:t>
-                          </m:r>
-                        </m:e>
-                        <m:sub>
-                          <m:r>
-                            <m:rPr>
-                              <m:sty m:val="p"/>
-                            </m:rPr>
-                            <a:rPr lang="en-US" sz="1600" b="0" i="0" dirty="0" smtClean="0">
-                              <a:ln w="0"/>
-                              <a:solidFill>
-                                <a:schemeClr val="tx1"/>
-                              </a:solidFill>
-                              <a:effectLst/>
-                              <a:latin typeface="Cambria Math" panose="02040503050406030204" pitchFamily="18" charset="0"/>
-                            </a:rPr>
-                            <m:t>qubits</m:t>
-                          </m:r>
-                        </m:sub>
-                      </m:sSub>
-                      <m:r>
-                        <a:rPr lang="en-US" sz="1600" b="0" i="0" dirty="0">
-                          <a:ln w="0"/>
-                          <a:solidFill>
-                            <a:schemeClr val="tx1"/>
-                          </a:solidFill>
-                          <a:effectLst/>
-                          <a:latin typeface="Cambria Math" panose="02040503050406030204" pitchFamily="18" charset="0"/>
-                        </a:rPr>
-                        <m:t>=</m:t>
-                      </m:r>
-                      <m:r>
-                        <a:rPr lang="en-US" sz="1600" b="0" i="0" dirty="0" smtClean="0">
-                          <a:ln w="0"/>
-                          <a:solidFill>
-                            <a:schemeClr val="tx1"/>
-                          </a:solidFill>
-                          <a:effectLst/>
-                          <a:latin typeface="Cambria Math" panose="02040503050406030204" pitchFamily="18" charset="0"/>
-                        </a:rPr>
-                        <m:t>4,6,8</m:t>
-                      </m:r>
-                      <m:r>
-                        <a:rPr lang="en-US" sz="1600" i="0" dirty="0">
-                          <a:ln w="0"/>
-                          <a:effectLst/>
-                          <a:latin typeface="Cambria Math" panose="02040503050406030204" pitchFamily="18" charset="0"/>
-                        </a:rPr>
-                        <m:t> </m:t>
-                      </m:r>
-                      <m:r>
-                        <a:rPr lang="en-US" sz="1600" i="0" dirty="0" smtClean="0">
-                          <a:ln w="0"/>
-                          <a:effectLst/>
-                          <a:latin typeface="Cambria Math" panose="02040503050406030204" pitchFamily="18" charset="0"/>
-                        </a:rPr>
-                        <m:t>        </m:t>
-                      </m:r>
-                      <m:sSub>
-                        <m:sSubPr>
-                          <m:ctrlPr>
-                            <a:rPr lang="en-US" sz="1600" b="0" dirty="0" err="1">
-                              <a:ln w="0"/>
-                              <a:solidFill>
-                                <a:schemeClr val="tx1"/>
-                              </a:solidFill>
-                              <a:effectLst/>
-                              <a:latin typeface="Cambria Math" panose="02040503050406030204" pitchFamily="18" charset="0"/>
-                            </a:rPr>
-                          </m:ctrlPr>
-                        </m:sSubPr>
-                        <m:e>
-                          <m:r>
-                            <m:rPr>
-                              <m:sty m:val="p"/>
-                            </m:rPr>
-                            <a:rPr lang="en-US" sz="1600" b="0" i="0" dirty="0" err="1" smtClean="0">
-                              <a:ln w="0"/>
-                              <a:solidFill>
-                                <a:schemeClr val="tx1"/>
-                              </a:solidFill>
-                              <a:effectLst/>
-                              <a:latin typeface="Cambria Math" panose="02040503050406030204" pitchFamily="18" charset="0"/>
-                            </a:rPr>
-                            <m:t>n</m:t>
-                          </m:r>
-                        </m:e>
-                        <m:sub>
-                          <m:r>
-                            <m:rPr>
-                              <m:sty m:val="p"/>
-                            </m:rPr>
-                            <a:rPr lang="en-US" sz="1600" b="0" i="0" dirty="0" err="1">
-                              <a:ln w="0"/>
-                              <a:solidFill>
-                                <a:schemeClr val="tx1"/>
-                              </a:solidFill>
-                              <a:effectLst/>
-                              <a:latin typeface="Cambria Math" panose="02040503050406030204" pitchFamily="18" charset="0"/>
-                            </a:rPr>
-                            <m:t>epochs</m:t>
-                          </m:r>
-                        </m:sub>
-                      </m:sSub>
-                      <m:r>
-                        <a:rPr lang="en-US" sz="1600" b="0" i="0" dirty="0">
-                          <a:ln w="0"/>
-                          <a:solidFill>
-                            <a:schemeClr val="tx1"/>
-                          </a:solidFill>
-                          <a:effectLst/>
-                          <a:latin typeface="Cambria Math" panose="02040503050406030204" pitchFamily="18" charset="0"/>
-                        </a:rPr>
-                        <m:t>=</m:t>
-                      </m:r>
-                      <m:r>
-                        <a:rPr lang="en-US" sz="1600" b="0" i="0" dirty="0" smtClean="0">
-                          <a:ln w="0"/>
-                          <a:solidFill>
-                            <a:schemeClr val="tx1"/>
-                          </a:solidFill>
-                          <a:effectLst/>
-                          <a:latin typeface="Cambria Math" panose="02040503050406030204" pitchFamily="18" charset="0"/>
-                        </a:rPr>
-                        <m:t>500</m:t>
-                      </m:r>
-                      <m:r>
-                        <a:rPr lang="en-US" sz="1600" i="0" dirty="0">
-                          <a:ln w="0"/>
-                          <a:effectLst/>
-                          <a:latin typeface="Cambria Math" panose="02040503050406030204" pitchFamily="18" charset="0"/>
-                        </a:rPr>
-                        <m:t> </m:t>
-                      </m:r>
-                      <m:r>
-                        <a:rPr lang="en-US" sz="1600" i="0" dirty="0" smtClean="0">
-                          <a:ln w="0"/>
-                          <a:effectLst/>
-                          <a:latin typeface="Cambria Math" panose="02040503050406030204" pitchFamily="18" charset="0"/>
-                        </a:rPr>
-                        <m:t> </m:t>
-                      </m:r>
-                    </m:oMath>
-                  </m:oMathPara>
-                </a14:m>
-                <a:endParaRPr lang="en-US" sz="1600" i="0" dirty="0">
-                  <a:ln w="0"/>
-                  <a:effectLst/>
-                  <a:latin typeface="Cambria Math" panose="02040503050406030204" pitchFamily="18" charset="0"/>
-                </a:endParaRPr>
-              </a:p>
-              <a:p>
-                <a:pPr algn="ctr">
-                  <a:lnSpc>
-                    <a:spcPct val="150000"/>
-                  </a:lnSpc>
-                </a:pPr>
-                <a14:m>
-                  <m:oMathPara xmlns:m="http://schemas.openxmlformats.org/officeDocument/2006/math">
-                    <m:oMathParaPr>
-                      <m:jc m:val="centerGroup"/>
-                    </m:oMathParaPr>
-                    <m:oMath xmlns:m="http://schemas.openxmlformats.org/officeDocument/2006/math">
-                      <m:r>
-                        <a:rPr lang="en-US" sz="1600" i="0" dirty="0" smtClean="0">
-                          <a:ln w="0"/>
-                          <a:effectLst/>
-                          <a:latin typeface="Cambria Math" panose="02040503050406030204" pitchFamily="18" charset="0"/>
-                        </a:rPr>
-                        <m:t>  </m:t>
-                      </m:r>
-                      <m:r>
-                        <m:rPr>
-                          <m:sty m:val="p"/>
-                        </m:rPr>
-                        <a:rPr lang="en-US" sz="1600" b="0" i="0" dirty="0" smtClean="0">
-                          <a:ln w="0"/>
-                          <a:solidFill>
-                            <a:schemeClr val="tx1"/>
-                          </a:solidFill>
-                          <a:effectLst/>
-                          <a:latin typeface="Cambria Math" panose="02040503050406030204" pitchFamily="18" charset="0"/>
-                        </a:rPr>
-                        <m:t>depth</m:t>
-                      </m:r>
-                      <m:r>
-                        <a:rPr lang="en-US" sz="1600" b="0" i="0" dirty="0">
-                          <a:ln w="0"/>
-                          <a:solidFill>
-                            <a:schemeClr val="tx1"/>
-                          </a:solidFill>
-                          <a:effectLst/>
-                          <a:latin typeface="Cambria Math" panose="02040503050406030204" pitchFamily="18" charset="0"/>
-                        </a:rPr>
-                        <m:t>=3</m:t>
-                      </m:r>
-                    </m:oMath>
-                  </m:oMathPara>
-                </a14:m>
-                <a:endParaRPr lang="en-US" sz="1600" b="0" dirty="0">
-                  <a:ln w="0"/>
-                  <a:solidFill>
-                    <a:schemeClr val="tx1"/>
-                  </a:solidFill>
-                  <a:effectLst/>
-                  <a:latin typeface="Arial" panose="020B0604020202020204" pitchFamily="34" charset="0"/>
-                  <a:cs typeface="Arial" panose="020B0604020202020204" pitchFamily="34" charset="0"/>
-                </a:endParaRPr>
-              </a:p>
-            </p:txBody>
-          </p:sp>
-        </mc:Choice>
-        <mc:Fallback>
-          <p:sp>
-            <p:nvSpPr>
-              <p:cNvPr id="28" name="TextBox 27">
-                <a:extLst>
-                  <a:ext uri="{FF2B5EF4-FFF2-40B4-BE49-F238E27FC236}">
-                    <a16:creationId xmlns:a16="http://schemas.microsoft.com/office/drawing/2014/main" id="{F5FDBE3A-D40E-D007-92C1-D00A6E5FD971}"/>
-                  </a:ext>
-                </a:extLst>
-              </p:cNvPr>
-              <p:cNvSpPr txBox="1">
-                <a:spLocks noRot="1" noChangeAspect="1" noMove="1" noResize="1" noEditPoints="1" noAdjustHandles="1" noChangeArrowheads="1" noChangeShapeType="1" noTextEdit="1"/>
-              </p:cNvSpPr>
-              <p:nvPr/>
-            </p:nvSpPr>
-            <p:spPr>
-              <a:xfrm>
-                <a:off x="0" y="4262377"/>
-                <a:ext cx="5064273" cy="863891"/>
-              </a:xfrm>
-              <a:prstGeom prst="rect">
-                <a:avLst/>
-              </a:prstGeom>
-              <a:blipFill>
-                <a:blip r:embed="rId6"/>
-                <a:stretch>
-                  <a:fillRect/>
-                </a:stretch>
-              </a:blipFill>
-            </p:spPr>
-            <p:txBody>
-              <a:bodyPr/>
-              <a:lstStyle/>
-              <a:p>
-                <a:r>
-                  <a:rPr lang="en-US">
-                    <a:noFill/>
-                  </a:rPr>
-                  <a:t> </a:t>
-                </a:r>
-              </a:p>
-            </p:txBody>
-          </p:sp>
-        </mc:Fallback>
-      </mc:AlternateContent>
+              <a:t>y</a:t>
+            </a:r>
+          </a:p>
+        </p:txBody>
+      </p:sp>
     </p:spTree>
     <p:extLst>
       <p:ext uri="{BB962C8B-B14F-4D97-AF65-F5344CB8AC3E}">
@@ -6921,4 +7063,319 @@
     </a:ext>
   </a:extLst>
 </a:theme>
+</file>
+
+<file path=ppt/theme/theme2.xml><?xml version="1.0" encoding="utf-8"?>
+<a:theme xmlns:a="http://schemas.openxmlformats.org/drawingml/2006/main" name="Office Theme">
+  <a:themeElements>
+    <a:clrScheme name="Office">
+      <a:dk1>
+        <a:sysClr val="windowText" lastClr="000000"/>
+      </a:dk1>
+      <a:lt1>
+        <a:sysClr val="window" lastClr="FFFFFF"/>
+      </a:lt1>
+      <a:dk2>
+        <a:srgbClr val="0E2841"/>
+      </a:dk2>
+      <a:lt2>
+        <a:srgbClr val="E8E8E8"/>
+      </a:lt2>
+      <a:accent1>
+        <a:srgbClr val="156082"/>
+      </a:accent1>
+      <a:accent2>
+        <a:srgbClr val="E97132"/>
+      </a:accent2>
+      <a:accent3>
+        <a:srgbClr val="196B24"/>
+      </a:accent3>
+      <a:accent4>
+        <a:srgbClr val="0F9ED5"/>
+      </a:accent4>
+      <a:accent5>
+        <a:srgbClr val="A02B93"/>
+      </a:accent5>
+      <a:accent6>
+        <a:srgbClr val="4EA72E"/>
+      </a:accent6>
+      <a:hlink>
+        <a:srgbClr val="467886"/>
+      </a:hlink>
+      <a:folHlink>
+        <a:srgbClr val="96607D"/>
+      </a:folHlink>
+    </a:clrScheme>
+    <a:fontScheme name="Office">
+      <a:majorFont>
+        <a:latin typeface="Aptos Display" panose="02110004020202020204"/>
+        <a:ea typeface=""/>
+        <a:cs typeface=""/>
+        <a:font script="Jpan" typeface="游ゴシック Light"/>
+        <a:font script="Hang" typeface="맑은 고딕"/>
+        <a:font script="Hans" typeface="等线 Light"/>
+        <a:font script="Hant" typeface="新細明體"/>
+        <a:font script="Arab" typeface="Times New Roman"/>
+        <a:font script="Hebr" typeface="Times New Roman"/>
+        <a:font script="Thai" typeface="Angsana New"/>
+        <a:font script="Ethi" typeface="Nyala"/>
+        <a:font script="Beng" typeface="Vrinda"/>
+        <a:font script="Gujr" typeface="Shruti"/>
+        <a:font script="Khmr" typeface="MoolBoran"/>
+        <a:font script="Knda" typeface="Tunga"/>
+        <a:font script="Guru" typeface="Raavi"/>
+        <a:font script="Cans" typeface="Euphemia"/>
+        <a:font script="Cher" typeface="Plantagenet Cherokee"/>
+        <a:font script="Yiii" typeface="Microsoft Yi Baiti"/>
+        <a:font script="Tibt" typeface="Microsoft Himalaya"/>
+        <a:font script="Thaa" typeface="MV Boli"/>
+        <a:font script="Deva" typeface="Mangal"/>
+        <a:font script="Telu" typeface="Gautami"/>
+        <a:font script="Taml" typeface="Latha"/>
+        <a:font script="Syrc" typeface="Estrangelo Edessa"/>
+        <a:font script="Orya" typeface="Kalinga"/>
+        <a:font script="Mlym" typeface="Kartika"/>
+        <a:font script="Laoo" typeface="DokChampa"/>
+        <a:font script="Sinh" typeface="Iskoola Pota"/>
+        <a:font script="Mong" typeface="Mongolian Baiti"/>
+        <a:font script="Viet" typeface="Times New Roman"/>
+        <a:font script="Uigh" typeface="Microsoft Uighur"/>
+        <a:font script="Geor" typeface="Sylfaen"/>
+        <a:font script="Armn" typeface="Arial"/>
+        <a:font script="Bugi" typeface="Leelawadee UI"/>
+        <a:font script="Bopo" typeface="Microsoft JhengHei"/>
+        <a:font script="Java" typeface="Javanese Text"/>
+        <a:font script="Lisu" typeface="Segoe UI"/>
+        <a:font script="Mymr" typeface="Myanmar Text"/>
+        <a:font script="Nkoo" typeface="Ebrima"/>
+        <a:font script="Olck" typeface="Nirmala UI"/>
+        <a:font script="Osma" typeface="Ebrima"/>
+        <a:font script="Phag" typeface="Phagspa"/>
+        <a:font script="Syrn" typeface="Estrangelo Edessa"/>
+        <a:font script="Syrj" typeface="Estrangelo Edessa"/>
+        <a:font script="Syre" typeface="Estrangelo Edessa"/>
+        <a:font script="Sora" typeface="Nirmala UI"/>
+        <a:font script="Tale" typeface="Microsoft Tai Le"/>
+        <a:font script="Talu" typeface="Microsoft New Tai Lue"/>
+        <a:font script="Tfng" typeface="Ebrima"/>
+      </a:majorFont>
+      <a:minorFont>
+        <a:latin typeface="Aptos" panose="02110004020202020204"/>
+        <a:ea typeface=""/>
+        <a:cs typeface=""/>
+        <a:font script="Jpan" typeface="游ゴシック"/>
+        <a:font script="Hang" typeface="맑은 고딕"/>
+        <a:font script="Hans" typeface="等线"/>
+        <a:font script="Hant" typeface="新細明體"/>
+        <a:font script="Arab" typeface="Arial"/>
+        <a:font script="Hebr" typeface="Arial"/>
+        <a:font script="Thai" typeface="Cordia New"/>
+        <a:font script="Ethi" typeface="Nyala"/>
+        <a:font script="Beng" typeface="Vrinda"/>
+        <a:font script="Gujr" typeface="Shruti"/>
+        <a:font script="Khmr" typeface="DaunPenh"/>
+        <a:font script="Knda" typeface="Tunga"/>
+        <a:font script="Guru" typeface="Raavi"/>
+        <a:font script="Cans" typeface="Euphemia"/>
+        <a:font script="Cher" typeface="Plantagenet Cherokee"/>
+        <a:font script="Yiii" typeface="Microsoft Yi Baiti"/>
+        <a:font script="Tibt" typeface="Microsoft Himalaya"/>
+        <a:font script="Thaa" typeface="MV Boli"/>
+        <a:font script="Deva" typeface="Mangal"/>
+        <a:font script="Telu" typeface="Gautami"/>
+        <a:font script="Taml" typeface="Latha"/>
+        <a:font script="Syrc" typeface="Estrangelo Edessa"/>
+        <a:font script="Orya" typeface="Kalinga"/>
+        <a:font script="Mlym" typeface="Kartika"/>
+        <a:font script="Laoo" typeface="DokChampa"/>
+        <a:font script="Sinh" typeface="Iskoola Pota"/>
+        <a:font script="Mong" typeface="Mongolian Baiti"/>
+        <a:font script="Viet" typeface="Arial"/>
+        <a:font script="Uigh" typeface="Microsoft Uighur"/>
+        <a:font script="Geor" typeface="Sylfaen"/>
+        <a:font script="Armn" typeface="Arial"/>
+        <a:font script="Bugi" typeface="Leelawadee UI"/>
+        <a:font script="Bopo" typeface="Microsoft JhengHei"/>
+        <a:font script="Java" typeface="Javanese Text"/>
+        <a:font script="Lisu" typeface="Segoe UI"/>
+        <a:font script="Mymr" typeface="Myanmar Text"/>
+        <a:font script="Nkoo" typeface="Ebrima"/>
+        <a:font script="Olck" typeface="Nirmala UI"/>
+        <a:font script="Osma" typeface="Ebrima"/>
+        <a:font script="Phag" typeface="Phagspa"/>
+        <a:font script="Syrn" typeface="Estrangelo Edessa"/>
+        <a:font script="Syrj" typeface="Estrangelo Edessa"/>
+        <a:font script="Syre" typeface="Estrangelo Edessa"/>
+        <a:font script="Sora" typeface="Nirmala UI"/>
+        <a:font script="Tale" typeface="Microsoft Tai Le"/>
+        <a:font script="Talu" typeface="Microsoft New Tai Lue"/>
+        <a:font script="Tfng" typeface="Ebrima"/>
+      </a:minorFont>
+    </a:fontScheme>
+    <a:fmtScheme name="Office">
+      <a:fillStyleLst>
+        <a:solidFill>
+          <a:schemeClr val="phClr"/>
+        </a:solidFill>
+        <a:gradFill rotWithShape="1">
+          <a:gsLst>
+            <a:gs pos="0">
+              <a:schemeClr val="phClr">
+                <a:lumMod val="110000"/>
+                <a:satMod val="105000"/>
+                <a:tint val="67000"/>
+              </a:schemeClr>
+            </a:gs>
+            <a:gs pos="50000">
+              <a:schemeClr val="phClr">
+                <a:lumMod val="105000"/>
+                <a:satMod val="103000"/>
+                <a:tint val="73000"/>
+              </a:schemeClr>
+            </a:gs>
+            <a:gs pos="100000">
+              <a:schemeClr val="phClr">
+                <a:lumMod val="105000"/>
+                <a:satMod val="109000"/>
+                <a:tint val="81000"/>
+              </a:schemeClr>
+            </a:gs>
+          </a:gsLst>
+          <a:lin ang="5400000" scaled="0"/>
+        </a:gradFill>
+        <a:gradFill rotWithShape="1">
+          <a:gsLst>
+            <a:gs pos="0">
+              <a:schemeClr val="phClr">
+                <a:satMod val="103000"/>
+                <a:lumMod val="102000"/>
+                <a:tint val="94000"/>
+              </a:schemeClr>
+            </a:gs>
+            <a:gs pos="50000">
+              <a:schemeClr val="phClr">
+                <a:satMod val="110000"/>
+                <a:lumMod val="100000"/>
+                <a:shade val="100000"/>
+              </a:schemeClr>
+            </a:gs>
+            <a:gs pos="100000">
+              <a:schemeClr val="phClr">
+                <a:lumMod val="99000"/>
+                <a:satMod val="120000"/>
+                <a:shade val="78000"/>
+              </a:schemeClr>
+            </a:gs>
+          </a:gsLst>
+          <a:lin ang="5400000" scaled="0"/>
+        </a:gradFill>
+      </a:fillStyleLst>
+      <a:lnStyleLst>
+        <a:ln w="12700" cap="flat" cmpd="sng" algn="ctr">
+          <a:solidFill>
+            <a:schemeClr val="phClr"/>
+          </a:solidFill>
+          <a:prstDash val="solid"/>
+          <a:miter lim="800000"/>
+        </a:ln>
+        <a:ln w="19050" cap="flat" cmpd="sng" algn="ctr">
+          <a:solidFill>
+            <a:schemeClr val="phClr"/>
+          </a:solidFill>
+          <a:prstDash val="solid"/>
+          <a:miter lim="800000"/>
+        </a:ln>
+        <a:ln w="25400" cap="flat" cmpd="sng" algn="ctr">
+          <a:solidFill>
+            <a:schemeClr val="phClr"/>
+          </a:solidFill>
+          <a:prstDash val="solid"/>
+          <a:miter lim="800000"/>
+        </a:ln>
+      </a:lnStyleLst>
+      <a:effectStyleLst>
+        <a:effectStyle>
+          <a:effectLst/>
+        </a:effectStyle>
+        <a:effectStyle>
+          <a:effectLst/>
+        </a:effectStyle>
+        <a:effectStyle>
+          <a:effectLst>
+            <a:outerShdw blurRad="57150" dist="19050" dir="5400000" algn="ctr" rotWithShape="0">
+              <a:srgbClr val="000000">
+                <a:alpha val="63000"/>
+              </a:srgbClr>
+            </a:outerShdw>
+          </a:effectLst>
+        </a:effectStyle>
+      </a:effectStyleLst>
+      <a:bgFillStyleLst>
+        <a:solidFill>
+          <a:schemeClr val="phClr"/>
+        </a:solidFill>
+        <a:solidFill>
+          <a:schemeClr val="phClr">
+            <a:tint val="95000"/>
+            <a:satMod val="170000"/>
+          </a:schemeClr>
+        </a:solidFill>
+        <a:gradFill rotWithShape="1">
+          <a:gsLst>
+            <a:gs pos="0">
+              <a:schemeClr val="phClr">
+                <a:tint val="93000"/>
+                <a:satMod val="150000"/>
+                <a:shade val="98000"/>
+                <a:lumMod val="102000"/>
+              </a:schemeClr>
+            </a:gs>
+            <a:gs pos="50000">
+              <a:schemeClr val="phClr">
+                <a:tint val="98000"/>
+                <a:satMod val="130000"/>
+                <a:shade val="90000"/>
+                <a:lumMod val="103000"/>
+              </a:schemeClr>
+            </a:gs>
+            <a:gs pos="100000">
+              <a:schemeClr val="phClr">
+                <a:shade val="63000"/>
+                <a:satMod val="120000"/>
+              </a:schemeClr>
+            </a:gs>
+          </a:gsLst>
+          <a:lin ang="5400000" scaled="0"/>
+        </a:gradFill>
+      </a:bgFillStyleLst>
+    </a:fmtScheme>
+  </a:themeElements>
+  <a:objectDefaults>
+    <a:lnDef>
+      <a:spPr/>
+      <a:bodyPr/>
+      <a:lstStyle/>
+      <a:style>
+        <a:lnRef idx="2">
+          <a:schemeClr val="accent1"/>
+        </a:lnRef>
+        <a:fillRef idx="0">
+          <a:schemeClr val="accent1"/>
+        </a:fillRef>
+        <a:effectRef idx="1">
+          <a:schemeClr val="accent1"/>
+        </a:effectRef>
+        <a:fontRef idx="minor">
+          <a:schemeClr val="tx1"/>
+        </a:fontRef>
+      </a:style>
+    </a:lnDef>
+  </a:objectDefaults>
+  <a:extraClrSchemeLst/>
+  <a:extLst>
+    <a:ext uri="{05A4C25C-085E-4340-85A3-A5531E510DB2}">
+      <thm15:themeFamily xmlns:thm15="http://schemas.microsoft.com/office/thememl/2012/main" name="Office Theme" id="{2E142A2C-CD16-42D6-873A-C26D2A0506FA}" vid="{1BDDFF52-6CD6-40A5-AB3C-68EB2F1E4D0A}"/>
+    </a:ext>
+  </a:extLst>
+</a:theme>
 </file>